--- a/image_similarities/drawings_human_rated/instructions/Instructions.pptx
+++ b/image_similarities/drawings_human_rated/instructions/Instructions.pptx
@@ -143,7 +143,7 @@
 <file path=ppt/revisionInfo.xml><?xml version="1.0" encoding="utf-8"?>
 <p1510:revInfo xmlns:a="http://schemas.openxmlformats.org/drawingml/2006/main" xmlns:r="http://schemas.openxmlformats.org/officeDocument/2006/relationships" xmlns:p1510="http://schemas.microsoft.com/office/powerpoint/2015/10/main">
   <p1510:revLst>
-    <p1510:client id="{7692739D-31C8-4023-A58F-6098F62F4DAF}" v="26" dt="2024-03-07T10:38:02.878"/>
+    <p1510:client id="{7692739D-31C8-4023-A58F-6098F62F4DAF}" v="27" dt="2024-03-08T12:34:01.947"/>
   </p1510:revLst>
 </p1510:revInfo>
 </file>
@@ -153,7 +153,7 @@
   <pc:docChgLst>
     <pc:chgData name="Micha Engeser" userId="a533b431-da3e-471f-8983-fd723c6850d4" providerId="ADAL" clId="{7692739D-31C8-4023-A58F-6098F62F4DAF}"/>
     <pc:docChg chg="undo custSel addSld delSld modSld sldOrd delSection modSection">
-      <pc:chgData name="Micha Engeser" userId="a533b431-da3e-471f-8983-fd723c6850d4" providerId="ADAL" clId="{7692739D-31C8-4023-A58F-6098F62F4DAF}" dt="2024-03-07T10:39:02.246" v="1637" actId="1076"/>
+      <pc:chgData name="Micha Engeser" userId="a533b431-da3e-471f-8983-fd723c6850d4" providerId="ADAL" clId="{7692739D-31C8-4023-A58F-6098F62F4DAF}" dt="2024-03-08T12:35:21.053" v="1698" actId="20577"/>
       <pc:docMkLst>
         <pc:docMk/>
       </pc:docMkLst>
@@ -189,13 +189,13 @@
         </pc:picChg>
       </pc:sldChg>
       <pc:sldChg chg="modSp mod ord setBg">
-        <pc:chgData name="Micha Engeser" userId="a533b431-da3e-471f-8983-fd723c6850d4" providerId="ADAL" clId="{7692739D-31C8-4023-A58F-6098F62F4DAF}" dt="2024-03-02T16:19:30.898" v="1294" actId="1035"/>
+        <pc:chgData name="Micha Engeser" userId="a533b431-da3e-471f-8983-fd723c6850d4" providerId="ADAL" clId="{7692739D-31C8-4023-A58F-6098F62F4DAF}" dt="2024-03-08T12:35:21.053" v="1698" actId="20577"/>
         <pc:sldMkLst>
           <pc:docMk/>
           <pc:sldMk cId="1597402663" sldId="262"/>
         </pc:sldMkLst>
         <pc:spChg chg="mod">
-          <ac:chgData name="Micha Engeser" userId="a533b431-da3e-471f-8983-fd723c6850d4" providerId="ADAL" clId="{7692739D-31C8-4023-A58F-6098F62F4DAF}" dt="2024-03-02T16:19:30.898" v="1294" actId="1035"/>
+          <ac:chgData name="Micha Engeser" userId="a533b431-da3e-471f-8983-fd723c6850d4" providerId="ADAL" clId="{7692739D-31C8-4023-A58F-6098F62F4DAF}" dt="2024-03-08T12:35:21.053" v="1698" actId="20577"/>
           <ac:spMkLst>
             <pc:docMk/>
             <pc:sldMk cId="1597402663" sldId="262"/>
@@ -267,13 +267,13 @@
         </pc:sldMkLst>
       </pc:sldChg>
       <pc:sldChg chg="addSp delSp modSp add mod ord setBg">
-        <pc:chgData name="Micha Engeser" userId="a533b431-da3e-471f-8983-fd723c6850d4" providerId="ADAL" clId="{7692739D-31C8-4023-A58F-6098F62F4DAF}" dt="2024-03-07T10:39:02.246" v="1637" actId="1076"/>
+        <pc:chgData name="Micha Engeser" userId="a533b431-da3e-471f-8983-fd723c6850d4" providerId="ADAL" clId="{7692739D-31C8-4023-A58F-6098F62F4DAF}" dt="2024-03-08T12:34:00.865" v="1643" actId="207"/>
         <pc:sldMkLst>
           <pc:docMk/>
           <pc:sldMk cId="489475237" sldId="292"/>
         </pc:sldMkLst>
         <pc:spChg chg="mod">
-          <ac:chgData name="Micha Engeser" userId="a533b431-da3e-471f-8983-fd723c6850d4" providerId="ADAL" clId="{7692739D-31C8-4023-A58F-6098F62F4DAF}" dt="2024-03-07T10:22:08.494" v="1595" actId="108"/>
+          <ac:chgData name="Micha Engeser" userId="a533b431-da3e-471f-8983-fd723c6850d4" providerId="ADAL" clId="{7692739D-31C8-4023-A58F-6098F62F4DAF}" dt="2024-03-08T12:34:00.865" v="1643" actId="207"/>
           <ac:spMkLst>
             <pc:docMk/>
             <pc:sldMk cId="489475237" sldId="292"/>
@@ -360,13 +360,13 @@
         </pc:sldMkLst>
       </pc:sldChg>
       <pc:sldChg chg="addSp delSp modSp add mod ord setBg">
-        <pc:chgData name="Micha Engeser" userId="a533b431-da3e-471f-8983-fd723c6850d4" providerId="ADAL" clId="{7692739D-31C8-4023-A58F-6098F62F4DAF}" dt="2024-03-07T10:37:59.876" v="1610" actId="21"/>
+        <pc:chgData name="Micha Engeser" userId="a533b431-da3e-471f-8983-fd723c6850d4" providerId="ADAL" clId="{7692739D-31C8-4023-A58F-6098F62F4DAF}" dt="2024-03-08T12:34:05.380" v="1645" actId="207"/>
         <pc:sldMkLst>
           <pc:docMk/>
           <pc:sldMk cId="3875687140" sldId="294"/>
         </pc:sldMkLst>
         <pc:spChg chg="mod">
-          <ac:chgData name="Micha Engeser" userId="a533b431-da3e-471f-8983-fd723c6850d4" providerId="ADAL" clId="{7692739D-31C8-4023-A58F-6098F62F4DAF}" dt="2024-03-05T14:46:22.143" v="1528" actId="20577"/>
+          <ac:chgData name="Micha Engeser" userId="a533b431-da3e-471f-8983-fd723c6850d4" providerId="ADAL" clId="{7692739D-31C8-4023-A58F-6098F62F4DAF}" dt="2024-03-08T12:34:05.380" v="1645" actId="207"/>
           <ac:spMkLst>
             <pc:docMk/>
             <pc:sldMk cId="3875687140" sldId="294"/>
@@ -1901,7 +1901,7 @@
           <a:p>
             <a:fld id="{9D7C6ACB-8DF6-1449-BE97-CA8D947F79D3}" type="datetimeFigureOut">
               <a:rPr lang="en-US" smtClean="0"/>
-              <a:t>3/7/2024</a:t>
+              <a:t>3/8/2024</a:t>
             </a:fld>
             <a:endParaRPr lang="en-US"/>
           </a:p>
@@ -2069,7 +2069,7 @@
           <a:p>
             <a:fld id="{9D7C6ACB-8DF6-1449-BE97-CA8D947F79D3}" type="datetimeFigureOut">
               <a:rPr lang="en-US" smtClean="0"/>
-              <a:t>3/7/2024</a:t>
+              <a:t>3/8/2024</a:t>
             </a:fld>
             <a:endParaRPr lang="en-US"/>
           </a:p>
@@ -2247,7 +2247,7 @@
           <a:p>
             <a:fld id="{9D7C6ACB-8DF6-1449-BE97-CA8D947F79D3}" type="datetimeFigureOut">
               <a:rPr lang="en-US" smtClean="0"/>
-              <a:t>3/7/2024</a:t>
+              <a:t>3/8/2024</a:t>
             </a:fld>
             <a:endParaRPr lang="en-US"/>
           </a:p>
@@ -2415,7 +2415,7 @@
           <a:p>
             <a:fld id="{9D7C6ACB-8DF6-1449-BE97-CA8D947F79D3}" type="datetimeFigureOut">
               <a:rPr lang="en-US" smtClean="0"/>
-              <a:t>3/7/2024</a:t>
+              <a:t>3/8/2024</a:t>
             </a:fld>
             <a:endParaRPr lang="en-US"/>
           </a:p>
@@ -2660,7 +2660,7 @@
           <a:p>
             <a:fld id="{9D7C6ACB-8DF6-1449-BE97-CA8D947F79D3}" type="datetimeFigureOut">
               <a:rPr lang="en-US" smtClean="0"/>
-              <a:t>3/7/2024</a:t>
+              <a:t>3/8/2024</a:t>
             </a:fld>
             <a:endParaRPr lang="en-US"/>
           </a:p>
@@ -2945,7 +2945,7 @@
           <a:p>
             <a:fld id="{9D7C6ACB-8DF6-1449-BE97-CA8D947F79D3}" type="datetimeFigureOut">
               <a:rPr lang="en-US" smtClean="0"/>
-              <a:t>3/7/2024</a:t>
+              <a:t>3/8/2024</a:t>
             </a:fld>
             <a:endParaRPr lang="en-US"/>
           </a:p>
@@ -3364,7 +3364,7 @@
           <a:p>
             <a:fld id="{9D7C6ACB-8DF6-1449-BE97-CA8D947F79D3}" type="datetimeFigureOut">
               <a:rPr lang="en-US" smtClean="0"/>
-              <a:t>3/7/2024</a:t>
+              <a:t>3/8/2024</a:t>
             </a:fld>
             <a:endParaRPr lang="en-US"/>
           </a:p>
@@ -3481,7 +3481,7 @@
           <a:p>
             <a:fld id="{9D7C6ACB-8DF6-1449-BE97-CA8D947F79D3}" type="datetimeFigureOut">
               <a:rPr lang="en-US" smtClean="0"/>
-              <a:t>3/7/2024</a:t>
+              <a:t>3/8/2024</a:t>
             </a:fld>
             <a:endParaRPr lang="en-US"/>
           </a:p>
@@ -3576,7 +3576,7 @@
           <a:p>
             <a:fld id="{9D7C6ACB-8DF6-1449-BE97-CA8D947F79D3}" type="datetimeFigureOut">
               <a:rPr lang="en-US" smtClean="0"/>
-              <a:t>3/7/2024</a:t>
+              <a:t>3/8/2024</a:t>
             </a:fld>
             <a:endParaRPr lang="en-US"/>
           </a:p>
@@ -3851,7 +3851,7 @@
           <a:p>
             <a:fld id="{9D7C6ACB-8DF6-1449-BE97-CA8D947F79D3}" type="datetimeFigureOut">
               <a:rPr lang="en-US" smtClean="0"/>
-              <a:t>3/7/2024</a:t>
+              <a:t>3/8/2024</a:t>
             </a:fld>
             <a:endParaRPr lang="en-US"/>
           </a:p>
@@ -4103,7 +4103,7 @@
           <a:p>
             <a:fld id="{9D7C6ACB-8DF6-1449-BE97-CA8D947F79D3}" type="datetimeFigureOut">
               <a:rPr lang="en-US" smtClean="0"/>
-              <a:t>3/7/2024</a:t>
+              <a:t>3/8/2024</a:t>
             </a:fld>
             <a:endParaRPr lang="en-US"/>
           </a:p>
@@ -4317,7 +4317,7 @@
           <a:p>
             <a:fld id="{9D7C6ACB-8DF6-1449-BE97-CA8D947F79D3}" type="datetimeFigureOut">
               <a:rPr lang="en-US" smtClean="0"/>
-              <a:t>3/7/2024</a:t>
+              <a:t>3/8/2024</a:t>
             </a:fld>
             <a:endParaRPr lang="en-US"/>
           </a:p>
@@ -5228,41 +5228,17 @@
             </a:r>
             <a:r>
               <a:rPr lang="en-US" sz="2400" dirty="0"/>
-              <a:t> of the two images, please judge how similar the depicted rooms are. Focus </a:t>
-            </a:r>
-            <a:r>
-              <a:rPr lang="en-US" sz="2400" dirty="0">
-                <a:solidFill>
-                  <a:schemeClr val="tx1">
-                    <a:lumMod val="85000"/>
-                    <a:lumOff val="15000"/>
-                  </a:schemeClr>
-                </a:solidFill>
-              </a:rPr>
-              <a:t>on the drawn </a:t>
+              <a:t> of the two images, please judge how similar the depicted rooms are. Focus on the drawn </a:t>
             </a:r>
             <a:r>
               <a:rPr lang="en-US" sz="2400" b="0" i="0" dirty="0">
-                <a:solidFill>
-                  <a:schemeClr val="tx1">
-                    <a:lumMod val="85000"/>
-                    <a:lumOff val="15000"/>
-                  </a:schemeClr>
-                </a:solidFill>
                 <a:effectLst/>
                 <a:latin typeface="Söhne"/>
               </a:rPr>
               <a:t>objects and their configuration</a:t>
             </a:r>
             <a:r>
-              <a:rPr lang="en-US" sz="2400" dirty="0">
-                <a:solidFill>
-                  <a:schemeClr val="tx1">
-                    <a:lumMod val="85000"/>
-                    <a:lumOff val="15000"/>
-                  </a:schemeClr>
-                </a:solidFill>
-              </a:rPr>
+              <a:rPr lang="en-US" sz="2400" dirty="0"/>
               <a:t>. </a:t>
             </a:r>
           </a:p>
@@ -5533,7 +5509,7 @@
           <p:nvPr/>
         </p:nvPicPr>
         <p:blipFill rotWithShape="1">
-          <a:blip r:embed="rId2"/>
+          <a:blip r:embed="rId3"/>
           <a:srcRect t="53938" b="6799"/>
           <a:stretch/>
         </p:blipFill>
@@ -5555,7 +5531,7 @@
     </p:extLst>
   </p:cSld>
   <p:clrMapOvr>
-    <a:masterClrMapping/>
+    <a:overrideClrMapping bg1="lt1" tx1="dk1" bg2="lt2" tx2="dk2" accent1="accent1" accent2="accent2" accent3="accent3" accent4="accent4" accent5="accent5" accent6="accent6" hlink="hlink" folHlink="folHlink"/>
   </p:clrMapOvr>
 </p:sld>
 </file>
@@ -5609,7 +5585,7 @@
           <a:p>
             <a:r>
               <a:rPr lang="en-US" sz="2400" dirty="0"/>
-              <a:t>After you provided your ratings, please press space to confirm your selection.</a:t>
+              <a:t>After you have provided your ratings, please press space to confirm your selection.</a:t>
             </a:r>
           </a:p>
           <a:p>
@@ -5618,7 +5594,7 @@
           <a:p>
             <a:r>
               <a:rPr lang="en-US" sz="2400" dirty="0"/>
-              <a:t>The experiment is divided in 6 blocks. Each block will last about 7 min. You will be able to rest between blocks.</a:t>
+              <a:t>The experiment is divided into 10 blocks. Each block will last about 7 min. You will be able to rest between blocks.</a:t>
             </a:r>
           </a:p>
           <a:p>
@@ -5634,12 +5610,19 @@
             </a:r>
           </a:p>
           <a:p>
+            <a:r>
+              <a:rPr lang="en-US" sz="2400" dirty="0"/>
+              <a:t>There is no time pressure.</a:t>
+            </a:r>
+            <a:br>
+              <a:rPr lang="en-US" sz="2400" dirty="0"/>
+            </a:br>
             <a:endParaRPr lang="en-US" sz="2400" dirty="0"/>
           </a:p>
           <a:p>
             <a:r>
               <a:rPr lang="en-US" sz="2400" dirty="0"/>
-              <a:t>If you need a break, or have any questions, do not hesitate to ask the experimenter.</a:t>
+              <a:t>If you need a break or have any questions, do not hesitate to ask the experimenter.</a:t>
             </a:r>
           </a:p>
           <a:p>
@@ -5656,10 +5639,6 @@
               <a:rPr lang="en-US" sz="2400" b="1" dirty="0"/>
               <a:t>Good luck!</a:t>
             </a:r>
-            <a:endParaRPr lang="en-US" sz="2400" dirty="0"/>
-          </a:p>
-          <a:p>
-            <a:pPr algn="ctr"/>
             <a:endParaRPr lang="en-US" sz="2400" dirty="0"/>
           </a:p>
           <a:p>
@@ -6025,4 +6004,47 @@
   </a:objectDefaults>
   <a:extraClrSchemeLst/>
 </a:theme>
+</file>
+
+<file path=ppt/theme/themeOverride1.xml><?xml version="1.0" encoding="utf-8"?>
+<a:themeOverride xmlns:a="http://schemas.openxmlformats.org/drawingml/2006/main">
+  <a:clrScheme name="Office">
+    <a:dk1>
+      <a:sysClr val="windowText" lastClr="000000"/>
+    </a:dk1>
+    <a:lt1>
+      <a:sysClr val="window" lastClr="FFFFFF"/>
+    </a:lt1>
+    <a:dk2>
+      <a:srgbClr val="1F497D"/>
+    </a:dk2>
+    <a:lt2>
+      <a:srgbClr val="EEECE1"/>
+    </a:lt2>
+    <a:accent1>
+      <a:srgbClr val="4F81BD"/>
+    </a:accent1>
+    <a:accent2>
+      <a:srgbClr val="C0504D"/>
+    </a:accent2>
+    <a:accent3>
+      <a:srgbClr val="9BBB59"/>
+    </a:accent3>
+    <a:accent4>
+      <a:srgbClr val="8064A2"/>
+    </a:accent4>
+    <a:accent5>
+      <a:srgbClr val="4BACC6"/>
+    </a:accent5>
+    <a:accent6>
+      <a:srgbClr val="F79646"/>
+    </a:accent6>
+    <a:hlink>
+      <a:srgbClr val="0000FF"/>
+    </a:hlink>
+    <a:folHlink>
+      <a:srgbClr val="800080"/>
+    </a:folHlink>
+  </a:clrScheme>
+</a:themeOverride>
 </file>
--- a/image_similarities/drawings_human_rated/instructions/Instructions.pptx
+++ b/image_similarities/drawings_human_rated/instructions/Instructions.pptx
@@ -153,7 +153,7 @@
   <pc:docChgLst>
     <pc:chgData name="Micha Engeser" userId="a533b431-da3e-471f-8983-fd723c6850d4" providerId="ADAL" clId="{7692739D-31C8-4023-A58F-6098F62F4DAF}"/>
     <pc:docChg chg="undo custSel addSld delSld modSld sldOrd delSection modSection">
-      <pc:chgData name="Micha Engeser" userId="a533b431-da3e-471f-8983-fd723c6850d4" providerId="ADAL" clId="{7692739D-31C8-4023-A58F-6098F62F4DAF}" dt="2024-03-08T12:35:21.053" v="1698" actId="20577"/>
+      <pc:chgData name="Micha Engeser" userId="a533b431-da3e-471f-8983-fd723c6850d4" providerId="ADAL" clId="{7692739D-31C8-4023-A58F-6098F62F4DAF}" dt="2024-03-12T16:29:23.158" v="1811" actId="20577"/>
       <pc:docMkLst>
         <pc:docMk/>
       </pc:docMkLst>
@@ -189,13 +189,13 @@
         </pc:picChg>
       </pc:sldChg>
       <pc:sldChg chg="modSp mod ord setBg">
-        <pc:chgData name="Micha Engeser" userId="a533b431-da3e-471f-8983-fd723c6850d4" providerId="ADAL" clId="{7692739D-31C8-4023-A58F-6098F62F4DAF}" dt="2024-03-08T12:35:21.053" v="1698" actId="20577"/>
+        <pc:chgData name="Micha Engeser" userId="a533b431-da3e-471f-8983-fd723c6850d4" providerId="ADAL" clId="{7692739D-31C8-4023-A58F-6098F62F4DAF}" dt="2024-03-12T16:29:23.158" v="1811" actId="20577"/>
         <pc:sldMkLst>
           <pc:docMk/>
           <pc:sldMk cId="1597402663" sldId="262"/>
         </pc:sldMkLst>
         <pc:spChg chg="mod">
-          <ac:chgData name="Micha Engeser" userId="a533b431-da3e-471f-8983-fd723c6850d4" providerId="ADAL" clId="{7692739D-31C8-4023-A58F-6098F62F4DAF}" dt="2024-03-08T12:35:21.053" v="1698" actId="20577"/>
+          <ac:chgData name="Micha Engeser" userId="a533b431-da3e-471f-8983-fd723c6850d4" providerId="ADAL" clId="{7692739D-31C8-4023-A58F-6098F62F4DAF}" dt="2024-03-12T16:29:23.158" v="1811" actId="20577"/>
           <ac:spMkLst>
             <pc:docMk/>
             <pc:sldMk cId="1597402663" sldId="262"/>
@@ -1901,7 +1901,7 @@
           <a:p>
             <a:fld id="{9D7C6ACB-8DF6-1449-BE97-CA8D947F79D3}" type="datetimeFigureOut">
               <a:rPr lang="en-US" smtClean="0"/>
-              <a:t>3/8/2024</a:t>
+              <a:t>3/12/2024</a:t>
             </a:fld>
             <a:endParaRPr lang="en-US"/>
           </a:p>
@@ -2069,7 +2069,7 @@
           <a:p>
             <a:fld id="{9D7C6ACB-8DF6-1449-BE97-CA8D947F79D3}" type="datetimeFigureOut">
               <a:rPr lang="en-US" smtClean="0"/>
-              <a:t>3/8/2024</a:t>
+              <a:t>3/12/2024</a:t>
             </a:fld>
             <a:endParaRPr lang="en-US"/>
           </a:p>
@@ -2247,7 +2247,7 @@
           <a:p>
             <a:fld id="{9D7C6ACB-8DF6-1449-BE97-CA8D947F79D3}" type="datetimeFigureOut">
               <a:rPr lang="en-US" smtClean="0"/>
-              <a:t>3/8/2024</a:t>
+              <a:t>3/12/2024</a:t>
             </a:fld>
             <a:endParaRPr lang="en-US"/>
           </a:p>
@@ -2415,7 +2415,7 @@
           <a:p>
             <a:fld id="{9D7C6ACB-8DF6-1449-BE97-CA8D947F79D3}" type="datetimeFigureOut">
               <a:rPr lang="en-US" smtClean="0"/>
-              <a:t>3/8/2024</a:t>
+              <a:t>3/12/2024</a:t>
             </a:fld>
             <a:endParaRPr lang="en-US"/>
           </a:p>
@@ -2660,7 +2660,7 @@
           <a:p>
             <a:fld id="{9D7C6ACB-8DF6-1449-BE97-CA8D947F79D3}" type="datetimeFigureOut">
               <a:rPr lang="en-US" smtClean="0"/>
-              <a:t>3/8/2024</a:t>
+              <a:t>3/12/2024</a:t>
             </a:fld>
             <a:endParaRPr lang="en-US"/>
           </a:p>
@@ -2945,7 +2945,7 @@
           <a:p>
             <a:fld id="{9D7C6ACB-8DF6-1449-BE97-CA8D947F79D3}" type="datetimeFigureOut">
               <a:rPr lang="en-US" smtClean="0"/>
-              <a:t>3/8/2024</a:t>
+              <a:t>3/12/2024</a:t>
             </a:fld>
             <a:endParaRPr lang="en-US"/>
           </a:p>
@@ -3364,7 +3364,7 @@
           <a:p>
             <a:fld id="{9D7C6ACB-8DF6-1449-BE97-CA8D947F79D3}" type="datetimeFigureOut">
               <a:rPr lang="en-US" smtClean="0"/>
-              <a:t>3/8/2024</a:t>
+              <a:t>3/12/2024</a:t>
             </a:fld>
             <a:endParaRPr lang="en-US"/>
           </a:p>
@@ -3481,7 +3481,7 @@
           <a:p>
             <a:fld id="{9D7C6ACB-8DF6-1449-BE97-CA8D947F79D3}" type="datetimeFigureOut">
               <a:rPr lang="en-US" smtClean="0"/>
-              <a:t>3/8/2024</a:t>
+              <a:t>3/12/2024</a:t>
             </a:fld>
             <a:endParaRPr lang="en-US"/>
           </a:p>
@@ -3576,7 +3576,7 @@
           <a:p>
             <a:fld id="{9D7C6ACB-8DF6-1449-BE97-CA8D947F79D3}" type="datetimeFigureOut">
               <a:rPr lang="en-US" smtClean="0"/>
-              <a:t>3/8/2024</a:t>
+              <a:t>3/12/2024</a:t>
             </a:fld>
             <a:endParaRPr lang="en-US"/>
           </a:p>
@@ -3851,7 +3851,7 @@
           <a:p>
             <a:fld id="{9D7C6ACB-8DF6-1449-BE97-CA8D947F79D3}" type="datetimeFigureOut">
               <a:rPr lang="en-US" smtClean="0"/>
-              <a:t>3/8/2024</a:t>
+              <a:t>3/12/2024</a:t>
             </a:fld>
             <a:endParaRPr lang="en-US"/>
           </a:p>
@@ -4103,7 +4103,7 @@
           <a:p>
             <a:fld id="{9D7C6ACB-8DF6-1449-BE97-CA8D947F79D3}" type="datetimeFigureOut">
               <a:rPr lang="en-US" smtClean="0"/>
-              <a:t>3/8/2024</a:t>
+              <a:t>3/12/2024</a:t>
             </a:fld>
             <a:endParaRPr lang="en-US"/>
           </a:p>
@@ -4317,7 +4317,7 @@
           <a:p>
             <a:fld id="{9D7C6ACB-8DF6-1449-BE97-CA8D947F79D3}" type="datetimeFigureOut">
               <a:rPr lang="en-US" smtClean="0"/>
-              <a:t>3/8/2024</a:t>
+              <a:t>3/12/2024</a:t>
             </a:fld>
             <a:endParaRPr lang="en-US"/>
           </a:p>
@@ -5585,7 +5585,7 @@
           <a:p>
             <a:r>
               <a:rPr lang="en-US" sz="2400" dirty="0"/>
-              <a:t>After you have provided your ratings, please press space to confirm your selection.</a:t>
+              <a:t>After you have provided your ratings, please press space to confirm your selection. You should take around 3-4 seconds for each pair of drawings.</a:t>
             </a:r>
           </a:p>
           <a:p>
@@ -5622,7 +5622,7 @@
           <a:p>
             <a:r>
               <a:rPr lang="en-US" sz="2400" dirty="0"/>
-              <a:t>If you need a break or have any questions, do not hesitate to ask the experimenter.</a:t>
+              <a:t>If you have any questions, please ask the experimenter.</a:t>
             </a:r>
           </a:p>
           <a:p>
@@ -5639,10 +5639,8 @@
               <a:rPr lang="en-US" sz="2400" b="1" dirty="0"/>
               <a:t>Good luck!</a:t>
             </a:r>
-            <a:endParaRPr lang="en-US" sz="2400" dirty="0"/>
-          </a:p>
-          <a:p>
-            <a:pPr algn="ctr"/>
+          </a:p>
+          <a:p>
             <a:endParaRPr lang="en-US" sz="2400" dirty="0"/>
           </a:p>
           <a:p>
